--- a/pythonではじめる機械学習1008.pptx
+++ b/pythonではじめる機械学習1008.pptx
@@ -9,6 +9,7 @@
     <p:sldId id="260" r:id="rId3"/>
     <p:sldId id="259" r:id="rId4"/>
     <p:sldId id="257" r:id="rId5"/>
+    <p:sldId id="261" r:id="rId6"/>
   </p:sldIdLst>
   <p:sldSz cx="12192000" cy="6858000"/>
   <p:notesSz cx="6858000" cy="9144000"/>
@@ -4499,6 +4500,146 @@
           </a:p>
         </p:txBody>
       </p:sp>
+      <p:sp>
+        <p:nvSpPr>
+          <p:cNvPr id="3" name="テキスト ボックス 2">
+            <a:extLst>
+              <a:ext uri="{FF2B5EF4-FFF2-40B4-BE49-F238E27FC236}">
+                <a16:creationId xmlns:a16="http://schemas.microsoft.com/office/drawing/2014/main" id="{E1BE0D0F-1D2B-478B-8443-D1CCB112EE02}"/>
+              </a:ext>
+            </a:extLst>
+          </p:cNvPr>
+          <p:cNvSpPr txBox="1"/>
+          <p:nvPr/>
+        </p:nvSpPr>
+        <p:spPr>
+          <a:xfrm>
+            <a:off x="1173892" y="1346887"/>
+            <a:ext cx="2644346" cy="523220"/>
+          </a:xfrm>
+          <a:prstGeom prst="rect">
+            <a:avLst/>
+          </a:prstGeom>
+          <a:noFill/>
+        </p:spPr>
+        <p:txBody>
+          <a:bodyPr wrap="square" rtlCol="0">
+            <a:spAutoFit/>
+          </a:bodyPr>
+          <a:lstStyle/>
+          <a:p>
+            <a:r>
+              <a:rPr kumimoji="1" lang="ja-JP" altLang="en-US" sz="2800" dirty="0"/>
+              <a:t>機械学習</a:t>
+            </a:r>
+          </a:p>
+        </p:txBody>
+      </p:sp>
+      <p:sp>
+        <p:nvSpPr>
+          <p:cNvPr id="4" name="テキスト ボックス 3">
+            <a:extLst>
+              <a:ext uri="{FF2B5EF4-FFF2-40B4-BE49-F238E27FC236}">
+                <a16:creationId xmlns:a16="http://schemas.microsoft.com/office/drawing/2014/main" id="{D8333204-5AC4-400C-8A18-DE162A67B4A3}"/>
+              </a:ext>
+            </a:extLst>
+          </p:cNvPr>
+          <p:cNvSpPr txBox="1"/>
+          <p:nvPr/>
+        </p:nvSpPr>
+        <p:spPr>
+          <a:xfrm>
+            <a:off x="1828800" y="2088292"/>
+            <a:ext cx="8204886" cy="830997"/>
+          </a:xfrm>
+          <a:prstGeom prst="rect">
+            <a:avLst/>
+          </a:prstGeom>
+          <a:noFill/>
+        </p:spPr>
+        <p:txBody>
+          <a:bodyPr wrap="square" rtlCol="0">
+            <a:spAutoFit/>
+          </a:bodyPr>
+          <a:lstStyle/>
+          <a:p>
+            <a:r>
+              <a:rPr kumimoji="1" lang="ja-JP" altLang="en-US" sz="2400" dirty="0"/>
+              <a:t>入力と出力の対になるデータを集めて、出力の予測や傾向の発見に利用。</a:t>
+            </a:r>
+          </a:p>
+        </p:txBody>
+      </p:sp>
+      <p:sp>
+        <p:nvSpPr>
+          <p:cNvPr id="6" name="テキスト ボックス 5">
+            <a:extLst>
+              <a:ext uri="{FF2B5EF4-FFF2-40B4-BE49-F238E27FC236}">
+                <a16:creationId xmlns:a16="http://schemas.microsoft.com/office/drawing/2014/main" id="{1FC2E3D1-EE33-434C-99E0-91FF21E2D17E}"/>
+              </a:ext>
+            </a:extLst>
+          </p:cNvPr>
+          <p:cNvSpPr txBox="1"/>
+          <p:nvPr/>
+        </p:nvSpPr>
+        <p:spPr>
+          <a:xfrm>
+            <a:off x="1173892" y="3347879"/>
+            <a:ext cx="3039762" cy="523220"/>
+          </a:xfrm>
+          <a:prstGeom prst="rect">
+            <a:avLst/>
+          </a:prstGeom>
+          <a:noFill/>
+        </p:spPr>
+        <p:txBody>
+          <a:bodyPr wrap="square" rtlCol="0">
+            <a:spAutoFit/>
+          </a:bodyPr>
+          <a:lstStyle/>
+          <a:p>
+            <a:r>
+              <a:rPr kumimoji="1" lang="ja-JP" altLang="en-US" sz="2800" dirty="0"/>
+              <a:t>ディープラーニング</a:t>
+            </a:r>
+          </a:p>
+        </p:txBody>
+      </p:sp>
+      <p:sp>
+        <p:nvSpPr>
+          <p:cNvPr id="10" name="テキスト ボックス 9">
+            <a:extLst>
+              <a:ext uri="{FF2B5EF4-FFF2-40B4-BE49-F238E27FC236}">
+                <a16:creationId xmlns:a16="http://schemas.microsoft.com/office/drawing/2014/main" id="{AB827F2B-422E-4342-A574-53DA8809C030}"/>
+              </a:ext>
+            </a:extLst>
+          </p:cNvPr>
+          <p:cNvSpPr txBox="1"/>
+          <p:nvPr/>
+        </p:nvSpPr>
+        <p:spPr>
+          <a:xfrm>
+            <a:off x="1828800" y="4068856"/>
+            <a:ext cx="8204886" cy="830997"/>
+          </a:xfrm>
+          <a:prstGeom prst="rect">
+            <a:avLst/>
+          </a:prstGeom>
+          <a:noFill/>
+        </p:spPr>
+        <p:txBody>
+          <a:bodyPr wrap="square" rtlCol="0">
+            <a:spAutoFit/>
+          </a:bodyPr>
+          <a:lstStyle/>
+          <a:p>
+            <a:r>
+              <a:rPr kumimoji="1" lang="ja-JP" altLang="en-US" sz="2400" dirty="0"/>
+              <a:t>画像分類、オブジェクト識別などに使われる。特徴量を自動で抽出する。</a:t>
+            </a:r>
+          </a:p>
+        </p:txBody>
+      </p:sp>
     </p:spTree>
     <p:extLst>
       <p:ext uri="{BB962C8B-B14F-4D97-AF65-F5344CB8AC3E}">
@@ -4559,7 +4700,154 @@
           <a:p>
             <a:r>
               <a:rPr kumimoji="1" lang="ja-JP" altLang="en-US" sz="3600" dirty="0"/>
-              <a:t>機械学習でできること</a:t>
+              <a:t>機械学習の種類</a:t>
+            </a:r>
+          </a:p>
+        </p:txBody>
+      </p:sp>
+      <p:sp>
+        <p:nvSpPr>
+          <p:cNvPr id="3" name="テキスト ボックス 2">
+            <a:extLst>
+              <a:ext uri="{FF2B5EF4-FFF2-40B4-BE49-F238E27FC236}">
+                <a16:creationId xmlns:a16="http://schemas.microsoft.com/office/drawing/2014/main" id="{456B061B-20D0-42CF-8D02-8883E7E2EB63}"/>
+              </a:ext>
+            </a:extLst>
+          </p:cNvPr>
+          <p:cNvSpPr txBox="1"/>
+          <p:nvPr/>
+        </p:nvSpPr>
+        <p:spPr>
+          <a:xfrm>
+            <a:off x="1631091" y="1375774"/>
+            <a:ext cx="3756453" cy="584775"/>
+          </a:xfrm>
+          <a:prstGeom prst="rect">
+            <a:avLst/>
+          </a:prstGeom>
+          <a:noFill/>
+        </p:spPr>
+        <p:txBody>
+          <a:bodyPr wrap="square" rtlCol="0">
+            <a:spAutoFit/>
+          </a:bodyPr>
+          <a:lstStyle/>
+          <a:p>
+            <a:r>
+              <a:rPr kumimoji="1" lang="ja-JP" altLang="en-US" sz="3200" dirty="0"/>
+              <a:t>教師有り学習</a:t>
+            </a:r>
+          </a:p>
+        </p:txBody>
+      </p:sp>
+      <p:sp>
+        <p:nvSpPr>
+          <p:cNvPr id="5" name="テキスト ボックス 4">
+            <a:extLst>
+              <a:ext uri="{FF2B5EF4-FFF2-40B4-BE49-F238E27FC236}">
+                <a16:creationId xmlns:a16="http://schemas.microsoft.com/office/drawing/2014/main" id="{0FBB0153-1E19-480E-A010-005AC1295D3A}"/>
+              </a:ext>
+            </a:extLst>
+          </p:cNvPr>
+          <p:cNvSpPr txBox="1"/>
+          <p:nvPr/>
+        </p:nvSpPr>
+        <p:spPr>
+          <a:xfrm>
+            <a:off x="1631090" y="3705999"/>
+            <a:ext cx="3756453" cy="584775"/>
+          </a:xfrm>
+          <a:prstGeom prst="rect">
+            <a:avLst/>
+          </a:prstGeom>
+          <a:noFill/>
+        </p:spPr>
+        <p:txBody>
+          <a:bodyPr wrap="square" rtlCol="0">
+            <a:spAutoFit/>
+          </a:bodyPr>
+          <a:lstStyle/>
+          <a:p>
+            <a:r>
+              <a:rPr kumimoji="1" lang="ja-JP" altLang="en-US" sz="3200" dirty="0"/>
+              <a:t>教師無し学習</a:t>
+            </a:r>
+          </a:p>
+        </p:txBody>
+      </p:sp>
+      <p:sp>
+        <p:nvSpPr>
+          <p:cNvPr id="6" name="テキスト ボックス 5">
+            <a:extLst>
+              <a:ext uri="{FF2B5EF4-FFF2-40B4-BE49-F238E27FC236}">
+                <a16:creationId xmlns:a16="http://schemas.microsoft.com/office/drawing/2014/main" id="{62F16D8E-50F4-4CC2-AAA4-2EE79DF9B39C}"/>
+              </a:ext>
+            </a:extLst>
+          </p:cNvPr>
+          <p:cNvSpPr txBox="1"/>
+          <p:nvPr/>
+        </p:nvSpPr>
+        <p:spPr>
+          <a:xfrm>
+            <a:off x="2508423" y="2045816"/>
+            <a:ext cx="7587048" cy="1384995"/>
+          </a:xfrm>
+          <a:prstGeom prst="rect">
+            <a:avLst/>
+          </a:prstGeom>
+          <a:noFill/>
+        </p:spPr>
+        <p:txBody>
+          <a:bodyPr wrap="square" rtlCol="0">
+            <a:spAutoFit/>
+          </a:bodyPr>
+          <a:lstStyle/>
+          <a:p>
+            <a:r>
+              <a:rPr kumimoji="1" lang="ja-JP" altLang="en-US" sz="2800" dirty="0"/>
+              <a:t>入力と望ましい出力のペアをアルゴリズムに与え、学習させることで、以降新しい入力を与えると出力を返せるようになる。</a:t>
+            </a:r>
+          </a:p>
+        </p:txBody>
+      </p:sp>
+      <p:sp>
+        <p:nvSpPr>
+          <p:cNvPr id="8" name="テキスト ボックス 7">
+            <a:extLst>
+              <a:ext uri="{FF2B5EF4-FFF2-40B4-BE49-F238E27FC236}">
+                <a16:creationId xmlns:a16="http://schemas.microsoft.com/office/drawing/2014/main" id="{E0278199-65D7-4D6B-B257-5D712B28874E}"/>
+              </a:ext>
+            </a:extLst>
+          </p:cNvPr>
+          <p:cNvSpPr txBox="1"/>
+          <p:nvPr/>
+        </p:nvSpPr>
+        <p:spPr>
+          <a:xfrm>
+            <a:off x="2586682" y="4304352"/>
+            <a:ext cx="7587048" cy="1815882"/>
+          </a:xfrm>
+          <a:prstGeom prst="rect">
+            <a:avLst/>
+          </a:prstGeom>
+          <a:noFill/>
+        </p:spPr>
+        <p:txBody>
+          <a:bodyPr wrap="square" rtlCol="0">
+            <a:spAutoFit/>
+          </a:bodyPr>
+          <a:lstStyle/>
+          <a:p>
+            <a:r>
+              <a:rPr kumimoji="1" lang="ja-JP" altLang="en-US" sz="2800" dirty="0"/>
+              <a:t>入力データだけをアルゴリズムに与える。</a:t>
+            </a:r>
+            <a:endParaRPr kumimoji="1" lang="en-US" altLang="ja-JP" sz="2800" dirty="0"/>
+          </a:p>
+          <a:p>
+            <a:r>
+              <a:rPr kumimoji="1" lang="ja-JP" altLang="en-US" sz="2800" dirty="0"/>
+              <a:t>ネット通販の顧客カテゴライズ、テキストのトピック特定に使われているらしい。出力が定まっていないものに使われる。</a:t>
             </a:r>
           </a:p>
         </p:txBody>
@@ -4609,7 +4897,7 @@
         <p:spPr>
           <a:xfrm>
             <a:off x="2695574" y="712524"/>
-            <a:ext cx="7424609" cy="461665"/>
+            <a:ext cx="7424609" cy="523220"/>
           </a:xfrm>
           <a:prstGeom prst="rect">
             <a:avLst/>
@@ -4623,12 +4911,8 @@
           <a:lstStyle/>
           <a:p>
             <a:r>
-              <a:rPr kumimoji="1" lang="en-US" altLang="ja-JP" sz="2400" dirty="0"/>
-              <a:t>1. </a:t>
-            </a:r>
-            <a:r>
-              <a:rPr kumimoji="1" lang="ja-JP" altLang="en-US" sz="2400" dirty="0"/>
-              <a:t>目的</a:t>
+              <a:rPr kumimoji="1" lang="ja-JP" altLang="en-US" sz="2800" dirty="0"/>
+              <a:t>１．アイリスの花を三種類に分けたい</a:t>
             </a:r>
           </a:p>
         </p:txBody>
@@ -4648,7 +4932,7 @@
         <p:spPr>
           <a:xfrm>
             <a:off x="2695574" y="1567053"/>
-            <a:ext cx="7424609" cy="461665"/>
+            <a:ext cx="7424609" cy="523220"/>
           </a:xfrm>
           <a:prstGeom prst="rect">
             <a:avLst/>
@@ -4662,12 +4946,82 @@
           <a:lstStyle/>
           <a:p>
             <a:r>
-              <a:rPr kumimoji="1" lang="en-US" altLang="ja-JP" sz="2400" dirty="0"/>
-              <a:t>2. </a:t>
+              <a:rPr kumimoji="1" lang="ja-JP" altLang="en-US" sz="2800" dirty="0"/>
+              <a:t>２．訓練用のデータとテスト用のデータを分ける</a:t>
             </a:r>
             <a:r>
               <a:rPr kumimoji="1" lang="ja-JP" altLang="en-US" sz="2400" dirty="0"/>
-              <a:t>データについて　　　</a:t>
+              <a:t>。　　　</a:t>
+            </a:r>
+          </a:p>
+        </p:txBody>
+      </p:sp>
+      <p:sp>
+        <p:nvSpPr>
+          <p:cNvPr id="2" name="テキスト ボックス 1">
+            <a:extLst>
+              <a:ext uri="{FF2B5EF4-FFF2-40B4-BE49-F238E27FC236}">
+                <a16:creationId xmlns:a16="http://schemas.microsoft.com/office/drawing/2014/main" id="{C3541475-3DEB-4AEC-BF55-CA0D4B7ECE65}"/>
+              </a:ext>
+            </a:extLst>
+          </p:cNvPr>
+          <p:cNvSpPr txBox="1"/>
+          <p:nvPr/>
+        </p:nvSpPr>
+        <p:spPr>
+          <a:xfrm>
+            <a:off x="2695574" y="2421582"/>
+            <a:ext cx="7523464" cy="523220"/>
+          </a:xfrm>
+          <a:prstGeom prst="rect">
+            <a:avLst/>
+          </a:prstGeom>
+          <a:noFill/>
+        </p:spPr>
+        <p:txBody>
+          <a:bodyPr wrap="square" rtlCol="0">
+            <a:spAutoFit/>
+          </a:bodyPr>
+          <a:lstStyle/>
+          <a:p>
+            <a:r>
+              <a:rPr kumimoji="1" lang="ja-JP" altLang="en-US" sz="2800" dirty="0"/>
+              <a:t>３．与えられたデータは本当に使えるか？</a:t>
+            </a:r>
+          </a:p>
+        </p:txBody>
+      </p:sp>
+      <p:sp>
+        <p:nvSpPr>
+          <p:cNvPr id="4" name="テキスト ボックス 3">
+            <a:extLst>
+              <a:ext uri="{FF2B5EF4-FFF2-40B4-BE49-F238E27FC236}">
+                <a16:creationId xmlns:a16="http://schemas.microsoft.com/office/drawing/2014/main" id="{61DC6ABE-4659-4AB6-92EA-491FD00F5A1F}"/>
+              </a:ext>
+            </a:extLst>
+          </p:cNvPr>
+          <p:cNvSpPr txBox="1"/>
+          <p:nvPr/>
+        </p:nvSpPr>
+        <p:spPr>
+          <a:xfrm>
+            <a:off x="358346" y="308919"/>
+            <a:ext cx="1927654" cy="646331"/>
+          </a:xfrm>
+          <a:prstGeom prst="rect">
+            <a:avLst/>
+          </a:prstGeom>
+          <a:noFill/>
+        </p:spPr>
+        <p:txBody>
+          <a:bodyPr wrap="square" rtlCol="0">
+            <a:spAutoFit/>
+          </a:bodyPr>
+          <a:lstStyle/>
+          <a:p>
+            <a:r>
+              <a:rPr kumimoji="1" lang="ja-JP" altLang="en-US" sz="3600" dirty="0"/>
+              <a:t>本題</a:t>
             </a:r>
           </a:p>
         </p:txBody>
@@ -4676,6 +5030,148 @@
     <p:extLst>
       <p:ext uri="{BB962C8B-B14F-4D97-AF65-F5344CB8AC3E}">
         <p14:creationId xmlns:p14="http://schemas.microsoft.com/office/powerpoint/2010/main" val="978380809"/>
+      </p:ext>
+    </p:extLst>
+  </p:cSld>
+  <p:clrMapOvr>
+    <a:masterClrMapping/>
+  </p:clrMapOvr>
+</p:sld>
+</file>
+
+<file path=ppt/slides/slide5.xml><?xml version="1.0" encoding="utf-8"?>
+<p:sld xmlns:a="http://schemas.openxmlformats.org/drawingml/2006/main" xmlns:r="http://schemas.openxmlformats.org/officeDocument/2006/relationships" xmlns:p="http://schemas.openxmlformats.org/presentationml/2006/main">
+  <p:cSld>
+    <p:spTree>
+      <p:nvGrpSpPr>
+        <p:cNvPr id="1" name=""/>
+        <p:cNvGrpSpPr/>
+        <p:nvPr/>
+      </p:nvGrpSpPr>
+      <p:grpSpPr>
+        <a:xfrm>
+          <a:off x="0" y="0"/>
+          <a:ext cx="0" cy="0"/>
+          <a:chOff x="0" y="0"/>
+          <a:chExt cx="0" cy="0"/>
+        </a:xfrm>
+      </p:grpSpPr>
+      <p:sp>
+        <p:nvSpPr>
+          <p:cNvPr id="2" name="テキスト ボックス 1">
+            <a:extLst>
+              <a:ext uri="{FF2B5EF4-FFF2-40B4-BE49-F238E27FC236}">
+                <a16:creationId xmlns:a16="http://schemas.microsoft.com/office/drawing/2014/main" id="{3C194830-1C02-4462-B9D0-D1AEC18A46A8}"/>
+              </a:ext>
+            </a:extLst>
+          </p:cNvPr>
+          <p:cNvSpPr txBox="1"/>
+          <p:nvPr/>
+        </p:nvSpPr>
+        <p:spPr>
+          <a:xfrm>
+            <a:off x="1124465" y="556054"/>
+            <a:ext cx="4337221" cy="646331"/>
+          </a:xfrm>
+          <a:prstGeom prst="rect">
+            <a:avLst/>
+          </a:prstGeom>
+          <a:noFill/>
+        </p:spPr>
+        <p:txBody>
+          <a:bodyPr wrap="square" rtlCol="0">
+            <a:spAutoFit/>
+          </a:bodyPr>
+          <a:lstStyle/>
+          <a:p>
+            <a:r>
+              <a:rPr kumimoji="1" lang="ja-JP" altLang="en-US" sz="3600" dirty="0"/>
+              <a:t>参考</a:t>
+            </a:r>
+          </a:p>
+        </p:txBody>
+      </p:sp>
+      <p:sp>
+        <p:nvSpPr>
+          <p:cNvPr id="3" name="テキスト ボックス 2">
+            <a:extLst>
+              <a:ext uri="{FF2B5EF4-FFF2-40B4-BE49-F238E27FC236}">
+                <a16:creationId xmlns:a16="http://schemas.microsoft.com/office/drawing/2014/main" id="{E9DF63B6-1387-46EA-A374-6A4BBC5EE1E8}"/>
+              </a:ext>
+            </a:extLst>
+          </p:cNvPr>
+          <p:cNvSpPr txBox="1"/>
+          <p:nvPr/>
+        </p:nvSpPr>
+        <p:spPr>
+          <a:xfrm>
+            <a:off x="1421027" y="1767016"/>
+            <a:ext cx="9440562" cy="2492990"/>
+          </a:xfrm>
+          <a:prstGeom prst="rect">
+            <a:avLst/>
+          </a:prstGeom>
+          <a:noFill/>
+        </p:spPr>
+        <p:txBody>
+          <a:bodyPr wrap="square" rtlCol="0">
+            <a:spAutoFit/>
+          </a:bodyPr>
+          <a:lstStyle/>
+          <a:p>
+            <a:r>
+              <a:rPr kumimoji="1" lang="ja-JP" altLang="en-US" sz="2400" dirty="0"/>
+              <a:t>特徴量の話</a:t>
+            </a:r>
+            <a:endParaRPr kumimoji="1" lang="en-US" altLang="ja-JP" sz="2400" dirty="0">
+              <a:hlinkClick r:id="rId2"/>
+            </a:endParaRPr>
+          </a:p>
+          <a:p>
+            <a:endParaRPr kumimoji="1" lang="en-US" altLang="ja-JP" dirty="0">
+              <a:hlinkClick r:id="rId2"/>
+            </a:endParaRPr>
+          </a:p>
+          <a:p>
+            <a:r>
+              <a:rPr kumimoji="1" lang="en-US" altLang="ja-JP" dirty="0">
+                <a:hlinkClick r:id="rId2"/>
+              </a:rPr>
+              <a:t>https://ainow.ai/2020/07/14/225092/</a:t>
+            </a:r>
+            <a:endParaRPr kumimoji="1" lang="en-US" altLang="ja-JP" dirty="0"/>
+          </a:p>
+          <a:p>
+            <a:endParaRPr kumimoji="1" lang="en-US" altLang="ja-JP" dirty="0"/>
+          </a:p>
+          <a:p>
+            <a:r>
+              <a:rPr kumimoji="1" lang="ja-JP" altLang="en-US" sz="2400" dirty="0"/>
+              <a:t>機械学習とディープラーニングの話</a:t>
+            </a:r>
+            <a:endParaRPr kumimoji="1" lang="en-US" altLang="ja-JP" sz="2400" dirty="0"/>
+          </a:p>
+          <a:p>
+            <a:endParaRPr kumimoji="1" lang="en-US" altLang="ja-JP" dirty="0"/>
+          </a:p>
+          <a:p>
+            <a:r>
+              <a:rPr kumimoji="1" lang="en-US" altLang="ja-JP" dirty="0">
+                <a:hlinkClick r:id="rId3"/>
+              </a:rPr>
+              <a:t>https://monoist.atmarkit.co.jp/mn/articles/2003/12/news018.html</a:t>
+            </a:r>
+            <a:endParaRPr kumimoji="1" lang="en-US" altLang="ja-JP" dirty="0"/>
+          </a:p>
+          <a:p>
+            <a:endParaRPr kumimoji="1" lang="ja-JP" altLang="en-US" dirty="0"/>
+          </a:p>
+        </p:txBody>
+      </p:sp>
+    </p:spTree>
+    <p:extLst>
+      <p:ext uri="{BB962C8B-B14F-4D97-AF65-F5344CB8AC3E}">
+        <p14:creationId xmlns:p14="http://schemas.microsoft.com/office/powerpoint/2010/main" val="1446748540"/>
       </p:ext>
     </p:extLst>
   </p:cSld>

--- a/pythonではじめる機械学習1008.pptx
+++ b/pythonではじめる機械学習1008.pptx
@@ -342,7 +342,7 @@
           <a:p>
             <a:fld id="{029C5E3C-9B5D-4FB6-BC47-972C8774D661}" type="datetimeFigureOut">
               <a:rPr kumimoji="1" lang="ja-JP" altLang="en-US" smtClean="0"/>
-              <a:t>2020/10/7</a:t>
+              <a:t>2020/10/8</a:t>
             </a:fld>
             <a:endParaRPr kumimoji="1" lang="ja-JP" altLang="en-US"/>
           </a:p>
@@ -582,7 +582,7 @@
           <a:p>
             <a:fld id="{029C5E3C-9B5D-4FB6-BC47-972C8774D661}" type="datetimeFigureOut">
               <a:rPr kumimoji="1" lang="ja-JP" altLang="en-US" smtClean="0"/>
-              <a:t>2020/10/7</a:t>
+              <a:t>2020/10/8</a:t>
             </a:fld>
             <a:endParaRPr kumimoji="1" lang="ja-JP" altLang="en-US"/>
           </a:p>
@@ -870,7 +870,7 @@
           <a:p>
             <a:fld id="{029C5E3C-9B5D-4FB6-BC47-972C8774D661}" type="datetimeFigureOut">
               <a:rPr kumimoji="1" lang="ja-JP" altLang="en-US" smtClean="0"/>
-              <a:t>2020/10/7</a:t>
+              <a:t>2020/10/8</a:t>
             </a:fld>
             <a:endParaRPr kumimoji="1" lang="ja-JP" altLang="en-US"/>
           </a:p>
@@ -1076,7 +1076,7 @@
           <a:p>
             <a:fld id="{029C5E3C-9B5D-4FB6-BC47-972C8774D661}" type="datetimeFigureOut">
               <a:rPr kumimoji="1" lang="ja-JP" altLang="en-US" smtClean="0"/>
-              <a:t>2020/10/7</a:t>
+              <a:t>2020/10/8</a:t>
             </a:fld>
             <a:endParaRPr kumimoji="1" lang="ja-JP" altLang="en-US"/>
           </a:p>
@@ -1419,7 +1419,7 @@
           <a:p>
             <a:fld id="{029C5E3C-9B5D-4FB6-BC47-972C8774D661}" type="datetimeFigureOut">
               <a:rPr kumimoji="1" lang="ja-JP" altLang="en-US" smtClean="0"/>
-              <a:t>2020/10/7</a:t>
+              <a:t>2020/10/8</a:t>
             </a:fld>
             <a:endParaRPr kumimoji="1" lang="ja-JP" altLang="en-US"/>
           </a:p>
@@ -1758,7 +1758,7 @@
           <a:p>
             <a:fld id="{029C5E3C-9B5D-4FB6-BC47-972C8774D661}" type="datetimeFigureOut">
               <a:rPr kumimoji="1" lang="ja-JP" altLang="en-US" smtClean="0"/>
-              <a:t>2020/10/7</a:t>
+              <a:t>2020/10/8</a:t>
             </a:fld>
             <a:endParaRPr kumimoji="1" lang="ja-JP" altLang="en-US"/>
           </a:p>
@@ -2201,7 +2201,7 @@
           <a:p>
             <a:fld id="{029C5E3C-9B5D-4FB6-BC47-972C8774D661}" type="datetimeFigureOut">
               <a:rPr kumimoji="1" lang="ja-JP" altLang="en-US" smtClean="0"/>
-              <a:t>2020/10/7</a:t>
+              <a:t>2020/10/8</a:t>
             </a:fld>
             <a:endParaRPr kumimoji="1" lang="ja-JP" altLang="en-US"/>
           </a:p>
@@ -2319,7 +2319,7 @@
           <a:p>
             <a:fld id="{029C5E3C-9B5D-4FB6-BC47-972C8774D661}" type="datetimeFigureOut">
               <a:rPr kumimoji="1" lang="ja-JP" altLang="en-US" smtClean="0"/>
-              <a:t>2020/10/7</a:t>
+              <a:t>2020/10/8</a:t>
             </a:fld>
             <a:endParaRPr kumimoji="1" lang="ja-JP" altLang="en-US"/>
           </a:p>
@@ -2490,7 +2490,7 @@
           <a:p>
             <a:fld id="{029C5E3C-9B5D-4FB6-BC47-972C8774D661}" type="datetimeFigureOut">
               <a:rPr kumimoji="1" lang="ja-JP" altLang="en-US" smtClean="0"/>
-              <a:t>2020/10/7</a:t>
+              <a:t>2020/10/8</a:t>
             </a:fld>
             <a:endParaRPr kumimoji="1" lang="ja-JP" altLang="en-US"/>
           </a:p>
@@ -2876,7 +2876,7 @@
           <a:p>
             <a:fld id="{029C5E3C-9B5D-4FB6-BC47-972C8774D661}" type="datetimeFigureOut">
               <a:rPr kumimoji="1" lang="ja-JP" altLang="en-US" smtClean="0"/>
-              <a:t>2020/10/7</a:t>
+              <a:t>2020/10/8</a:t>
             </a:fld>
             <a:endParaRPr kumimoji="1" lang="ja-JP" altLang="en-US"/>
           </a:p>
@@ -3258,7 +3258,7 @@
           <a:p>
             <a:fld id="{029C5E3C-9B5D-4FB6-BC47-972C8774D661}" type="datetimeFigureOut">
               <a:rPr kumimoji="1" lang="ja-JP" altLang="en-US" smtClean="0"/>
-              <a:t>2020/10/7</a:t>
+              <a:t>2020/10/8</a:t>
             </a:fld>
             <a:endParaRPr kumimoji="1" lang="ja-JP" altLang="en-US"/>
           </a:p>
@@ -3577,7 +3577,7 @@
           <a:p>
             <a:fld id="{029C5E3C-9B5D-4FB6-BC47-972C8774D661}" type="datetimeFigureOut">
               <a:rPr kumimoji="1" lang="ja-JP" altLang="en-US" smtClean="0"/>
-              <a:t>2020/10/7</a:t>
+              <a:t>2020/10/8</a:t>
             </a:fld>
             <a:endParaRPr kumimoji="1" lang="ja-JP" altLang="en-US"/>
           </a:p>
@@ -5026,6 +5026,119 @@
           </a:p>
         </p:txBody>
       </p:sp>
+      <p:sp>
+        <p:nvSpPr>
+          <p:cNvPr id="7" name="テキスト ボックス 6">
+            <a:extLst>
+              <a:ext uri="{FF2B5EF4-FFF2-40B4-BE49-F238E27FC236}">
+                <a16:creationId xmlns:a16="http://schemas.microsoft.com/office/drawing/2014/main" id="{C9E1187E-8FE2-49F3-82AC-32C19EED5EAE}"/>
+              </a:ext>
+            </a:extLst>
+          </p:cNvPr>
+          <p:cNvSpPr txBox="1"/>
+          <p:nvPr/>
+        </p:nvSpPr>
+        <p:spPr>
+          <a:xfrm>
+            <a:off x="2695574" y="3276111"/>
+            <a:ext cx="7523464" cy="523220"/>
+          </a:xfrm>
+          <a:prstGeom prst="rect">
+            <a:avLst/>
+          </a:prstGeom>
+          <a:noFill/>
+        </p:spPr>
+        <p:txBody>
+          <a:bodyPr wrap="square" rtlCol="0">
+            <a:spAutoFit/>
+          </a:bodyPr>
+          <a:lstStyle/>
+          <a:p>
+            <a:r>
+              <a:rPr kumimoji="1" lang="ja-JP" altLang="en-US" sz="2800" dirty="0"/>
+              <a:t>４．</a:t>
+            </a:r>
+            <a:r>
+              <a:rPr kumimoji="1" lang="en-US" altLang="ja-JP" sz="2800" dirty="0"/>
+              <a:t>K-</a:t>
+            </a:r>
+            <a:r>
+              <a:rPr kumimoji="1" lang="ja-JP" altLang="en-US" sz="2800" dirty="0"/>
+              <a:t>最近傍法</a:t>
+            </a:r>
+          </a:p>
+        </p:txBody>
+      </p:sp>
+      <p:sp>
+        <p:nvSpPr>
+          <p:cNvPr id="8" name="テキスト ボックス 7">
+            <a:extLst>
+              <a:ext uri="{FF2B5EF4-FFF2-40B4-BE49-F238E27FC236}">
+                <a16:creationId xmlns:a16="http://schemas.microsoft.com/office/drawing/2014/main" id="{167FF57E-B2BA-46CD-AB11-0EEC988A11C2}"/>
+              </a:ext>
+            </a:extLst>
+          </p:cNvPr>
+          <p:cNvSpPr txBox="1"/>
+          <p:nvPr/>
+        </p:nvSpPr>
+        <p:spPr>
+          <a:xfrm>
+            <a:off x="2695574" y="4130640"/>
+            <a:ext cx="5202195" cy="523220"/>
+          </a:xfrm>
+          <a:prstGeom prst="rect">
+            <a:avLst/>
+          </a:prstGeom>
+          <a:noFill/>
+        </p:spPr>
+        <p:txBody>
+          <a:bodyPr wrap="square" rtlCol="0">
+            <a:spAutoFit/>
+          </a:bodyPr>
+          <a:lstStyle/>
+          <a:p>
+            <a:r>
+              <a:rPr kumimoji="1" lang="ja-JP" altLang="en-US" sz="2800" dirty="0"/>
+              <a:t>５．予測を行う</a:t>
+            </a:r>
+          </a:p>
+        </p:txBody>
+      </p:sp>
+      <p:sp>
+        <p:nvSpPr>
+          <p:cNvPr id="10" name="テキスト ボックス 9">
+            <a:extLst>
+              <a:ext uri="{FF2B5EF4-FFF2-40B4-BE49-F238E27FC236}">
+                <a16:creationId xmlns:a16="http://schemas.microsoft.com/office/drawing/2014/main" id="{FD14C63C-BC4E-4811-BA21-789D9C0A2F6C}"/>
+              </a:ext>
+            </a:extLst>
+          </p:cNvPr>
+          <p:cNvSpPr txBox="1"/>
+          <p:nvPr/>
+        </p:nvSpPr>
+        <p:spPr>
+          <a:xfrm>
+            <a:off x="2695574" y="4985169"/>
+            <a:ext cx="5202195" cy="523220"/>
+          </a:xfrm>
+          <a:prstGeom prst="rect">
+            <a:avLst/>
+          </a:prstGeom>
+          <a:noFill/>
+        </p:spPr>
+        <p:txBody>
+          <a:bodyPr wrap="square" rtlCol="0">
+            <a:spAutoFit/>
+          </a:bodyPr>
+          <a:lstStyle/>
+          <a:p>
+            <a:r>
+              <a:rPr kumimoji="1" lang="ja-JP" altLang="en-US" sz="2800" dirty="0"/>
+              <a:t>６．評価を行う</a:t>
+            </a:r>
+          </a:p>
+        </p:txBody>
+      </p:sp>
     </p:spTree>
     <p:extLst>
       <p:ext uri="{BB962C8B-B14F-4D97-AF65-F5344CB8AC3E}">
@@ -5164,6 +5277,83 @@
             <a:endParaRPr kumimoji="1" lang="en-US" altLang="ja-JP" dirty="0"/>
           </a:p>
           <a:p>
+            <a:endParaRPr kumimoji="1" lang="ja-JP" altLang="en-US" dirty="0"/>
+          </a:p>
+        </p:txBody>
+      </p:sp>
+      <p:sp>
+        <p:nvSpPr>
+          <p:cNvPr id="4" name="テキスト ボックス 3">
+            <a:extLst>
+              <a:ext uri="{FF2B5EF4-FFF2-40B4-BE49-F238E27FC236}">
+                <a16:creationId xmlns:a16="http://schemas.microsoft.com/office/drawing/2014/main" id="{61B53386-3C89-477F-A0CA-CE1734BD02B8}"/>
+              </a:ext>
+            </a:extLst>
+          </p:cNvPr>
+          <p:cNvSpPr txBox="1"/>
+          <p:nvPr/>
+        </p:nvSpPr>
+        <p:spPr>
+          <a:xfrm>
+            <a:off x="1421027" y="4267220"/>
+            <a:ext cx="2298357" cy="461665"/>
+          </a:xfrm>
+          <a:prstGeom prst="rect">
+            <a:avLst/>
+          </a:prstGeom>
+          <a:noFill/>
+        </p:spPr>
+        <p:txBody>
+          <a:bodyPr wrap="square" rtlCol="0">
+            <a:spAutoFit/>
+          </a:bodyPr>
+          <a:lstStyle/>
+          <a:p>
+            <a:r>
+              <a:rPr kumimoji="1" lang="en-US" altLang="ja-JP" sz="2400" dirty="0"/>
+              <a:t>K-</a:t>
+            </a:r>
+            <a:r>
+              <a:rPr kumimoji="1" lang="ja-JP" altLang="en-US" sz="2400" dirty="0"/>
+              <a:t>近傍法</a:t>
+            </a:r>
+          </a:p>
+        </p:txBody>
+      </p:sp>
+      <p:sp>
+        <p:nvSpPr>
+          <p:cNvPr id="5" name="テキスト ボックス 4">
+            <a:extLst>
+              <a:ext uri="{FF2B5EF4-FFF2-40B4-BE49-F238E27FC236}">
+                <a16:creationId xmlns:a16="http://schemas.microsoft.com/office/drawing/2014/main" id="{A75553F7-5C49-41E0-B4FA-98C8F71769B1}"/>
+              </a:ext>
+            </a:extLst>
+          </p:cNvPr>
+          <p:cNvSpPr txBox="1"/>
+          <p:nvPr/>
+        </p:nvSpPr>
+        <p:spPr>
+          <a:xfrm>
+            <a:off x="1421027" y="4824637"/>
+            <a:ext cx="6326660" cy="369332"/>
+          </a:xfrm>
+          <a:prstGeom prst="rect">
+            <a:avLst/>
+          </a:prstGeom>
+          <a:noFill/>
+        </p:spPr>
+        <p:txBody>
+          <a:bodyPr wrap="square" rtlCol="0">
+            <a:spAutoFit/>
+          </a:bodyPr>
+          <a:lstStyle/>
+          <a:p>
+            <a:r>
+              <a:rPr kumimoji="1" lang="en-US" altLang="ja-JP" dirty="0">
+                <a:hlinkClick r:id="rId4"/>
+              </a:rPr>
+              <a:t>https://qiita.com/yshi12/items/26771139672d40a0be32</a:t>
+            </a:r>
             <a:endParaRPr kumimoji="1" lang="ja-JP" altLang="en-US" dirty="0"/>
           </a:p>
         </p:txBody>
